--- a/9. Graph Evolution Networks.pptx
+++ b/9. Graph Evolution Networks.pptx
@@ -19784,8 +19784,13 @@
             </a:pPr>
             <a:r>
               <a:rPr lang="en-US" dirty="0"/>
-              <a:t>Product Evaluations</a:t>
-            </a:r>
+              <a:t>Product </a:t>
+            </a:r>
+            <a:r>
+              <a:rPr lang="en-US" dirty="0" err="1"/>
+              <a:t>Evalutions</a:t>
+            </a:r>
+            <a:endParaRPr lang="en-US" dirty="0"/>
           </a:p>
         </p:txBody>
       </p:sp>

--- a/9. Graph Evolution Networks.pptx
+++ b/9. Graph Evolution Networks.pptx
@@ -258,7 +258,7 @@
           <a:p>
             <a:fld id="{1B6E2612-5213-4B6B-99A8-BAC5DC9C4481}" type="datetimeFigureOut">
               <a:rPr lang="en-US" smtClean="0"/>
-              <a:t>12/16/2020</a:t>
+              <a:t>12/18/2020</a:t>
             </a:fld>
             <a:endParaRPr lang="en-US"/>
           </a:p>
@@ -4824,7 +4824,7 @@
           <a:p>
             <a:fld id="{D454A11C-5A77-4A08-B879-6DBBFDBBDAFE}" type="datetime1">
               <a:rPr lang="en-US" smtClean="0"/>
-              <a:t>12/16/2020</a:t>
+              <a:t>12/18/2020</a:t>
             </a:fld>
             <a:endParaRPr lang="en-US"/>
           </a:p>
@@ -5113,7 +5113,7 @@
           <a:p>
             <a:fld id="{AC73922D-9081-40A6-8FBE-63670167AD98}" type="datetime1">
               <a:rPr lang="en-US" smtClean="0"/>
-              <a:t>12/16/2020</a:t>
+              <a:t>12/18/2020</a:t>
             </a:fld>
             <a:endParaRPr lang="en-US"/>
           </a:p>
@@ -5402,7 +5402,7 @@
           <a:p>
             <a:fld id="{EC26F5A0-C9D2-4F77-B347-D66BED85257B}" type="datetime1">
               <a:rPr lang="en-US" smtClean="0"/>
-              <a:t>12/16/2020</a:t>
+              <a:t>12/18/2020</a:t>
             </a:fld>
             <a:endParaRPr lang="en-US"/>
           </a:p>
@@ -5691,7 +5691,7 @@
           <a:p>
             <a:fld id="{2B6F2430-900B-4222-905F-EED32BFA1589}" type="datetime1">
               <a:rPr lang="en-US" smtClean="0"/>
-              <a:t>12/16/2020</a:t>
+              <a:t>12/18/2020</a:t>
             </a:fld>
             <a:endParaRPr lang="en-US"/>
           </a:p>
@@ -5928,7 +5928,7 @@
           <a:p>
             <a:fld id="{2CD130E0-640E-4C5D-8D16-DE7F41FBD753}" type="datetime1">
               <a:rPr lang="en-US" smtClean="0"/>
-              <a:t>12/16/2020</a:t>
+              <a:t>12/18/2020</a:t>
             </a:fld>
             <a:endParaRPr lang="en-US"/>
           </a:p>
@@ -6385,7 +6385,7 @@
           <a:p>
             <a:fld id="{627B7EA4-B0EA-4318-A076-3B69835E495A}" type="datetime1">
               <a:rPr lang="en-US" smtClean="0"/>
-              <a:t>12/16/2020</a:t>
+              <a:t>12/18/2020</a:t>
             </a:fld>
             <a:endParaRPr lang="en-US"/>
           </a:p>
@@ -6576,7 +6576,7 @@
           <a:p>
             <a:fld id="{7ED4FE29-361C-4DC2-A7C6-B5E089DF3A91}" type="datetime1">
               <a:rPr lang="en-US" smtClean="0"/>
-              <a:t>12/16/2020</a:t>
+              <a:t>12/18/2020</a:t>
             </a:fld>
             <a:endParaRPr lang="en-US"/>
           </a:p>
@@ -9301,7 +9301,7 @@
           <a:p>
             <a:fld id="{862788D6-C652-4921-A5E0-02F81E20745E}" type="datetime1">
               <a:rPr lang="en-US" smtClean="0"/>
-              <a:t>12/16/2020</a:t>
+              <a:t>12/18/2020</a:t>
             </a:fld>
             <a:endParaRPr lang="en-US"/>
           </a:p>
@@ -9551,7 +9551,7 @@
           <a:p>
             <a:fld id="{489C13DB-7338-4DF2-835C-1A17F38879EE}" type="datetime1">
               <a:rPr lang="en-US" smtClean="0"/>
-              <a:t>12/16/2020</a:t>
+              <a:t>12/18/2020</a:t>
             </a:fld>
             <a:endParaRPr lang="en-US"/>
           </a:p>
@@ -9937,7 +9937,7 @@
           <a:p>
             <a:fld id="{1182EF5F-566B-49EC-B494-C7B2A0F6EE3D}" type="datetime1">
               <a:rPr lang="en-US" smtClean="0"/>
-              <a:t>12/16/2020</a:t>
+              <a:t>12/18/2020</a:t>
             </a:fld>
             <a:endParaRPr lang="en-US"/>
           </a:p>
@@ -10197,7 +10197,7 @@
           <a:p>
             <a:fld id="{4F02E37B-40D6-4AF0-9DE8-D954394DFF71}" type="datetime1">
               <a:rPr lang="en-US" smtClean="0"/>
-              <a:t>12/16/2020</a:t>
+              <a:t>12/18/2020</a:t>
             </a:fld>
             <a:endParaRPr lang="en-US"/>
           </a:p>
@@ -17970,8 +17970,8 @@
           </a:p>
         </p:txBody>
       </p:sp>
-      <mc:AlternateContent xmlns:mc="http://schemas.openxmlformats.org/markup-compatibility/2006">
-        <mc:Choice xmlns:a14="http://schemas.microsoft.com/office/drawing/2010/main" Requires="a14">
+      <mc:AlternateContent xmlns:mc="http://schemas.openxmlformats.org/markup-compatibility/2006" xmlns:a14="http://schemas.microsoft.com/office/drawing/2010/main">
+        <mc:Choice Requires="a14">
           <p:sp>
             <p:nvSpPr>
               <p:cNvPr id="3" name="Content Placeholder 2">
@@ -18033,7 +18033,7 @@
                         <m:sty m:val="p"/>
                       </m:rPr>
                       <a:rPr lang="en-US" sz="2400" dirty="0" smtClean="0">
-                        <a:latin typeface="+mj-lt"/>
+                        <a:latin typeface="Cambria Math" panose="02040503050406030204" pitchFamily="18" charset="0"/>
                       </a:rPr>
                       <m:t>e</m:t>
                     </m:r>
@@ -18042,13 +18042,13 @@
                         <m:sty m:val="p"/>
                       </m:rPr>
                       <a:rPr lang="en-US" sz="2400" b="0" i="0" dirty="0" smtClean="0">
-                        <a:latin typeface="+mj-lt"/>
+                        <a:latin typeface="Cambria Math" panose="02040503050406030204" pitchFamily="18" charset="0"/>
                       </a:rPr>
                       <m:t>dges</m:t>
                     </m:r>
                     <m:r>
                       <a:rPr lang="en-US" sz="2400" b="0" i="0" dirty="0" smtClean="0">
-                        <a:latin typeface="+mj-lt"/>
+                        <a:latin typeface="Cambria Math" panose="02040503050406030204" pitchFamily="18" charset="0"/>
                       </a:rPr>
                       <m:t>(</m:t>
                     </m:r>
@@ -18057,39 +18057,33 @@
                         <m:sty m:val="p"/>
                       </m:rPr>
                       <a:rPr lang="en-US" sz="2400" b="0" i="0" dirty="0" smtClean="0">
-                        <a:latin typeface="+mj-lt"/>
+                        <a:latin typeface="Cambria Math" panose="02040503050406030204" pitchFamily="18" charset="0"/>
                       </a:rPr>
                       <m:t>t</m:t>
                     </m:r>
                     <m:r>
                       <a:rPr lang="en-US" sz="2400" b="0" i="0" dirty="0" smtClean="0">
-                        <a:latin typeface="+mj-lt"/>
+                        <a:latin typeface="Cambria Math" panose="02040503050406030204" pitchFamily="18" charset="0"/>
                       </a:rPr>
                       <m:t>)</m:t>
                     </m:r>
                     <m:r>
                       <a:rPr lang="en-US" sz="2400" b="0" i="1" smtClean="0">
-                        <a:latin typeface="+mj-lt"/>
+                        <a:latin typeface="Cambria Math" panose="02040503050406030204" pitchFamily="18" charset="0"/>
                       </a:rPr>
                       <m:t>∝</m:t>
                     </m:r>
                     <m:r>
                       <a:rPr lang="en-US" sz="2400" b="0" i="1" smtClean="0">
-                        <a:latin typeface="+mj-lt"/>
-                      </a:rPr>
-                      <m:t>𝑛𝑜𝑑𝑒</m:t>
-                    </m:r>
-                    <m:r>
-                      <a:rPr lang="en-US" sz="2400" b="0" i="1" smtClean="0">
                         <a:latin typeface="Cambria Math" panose="02040503050406030204" pitchFamily="18" charset="0"/>
                       </a:rPr>
-                      <m:t>𝑠</m:t>
+                      <m:t>𝑛𝑜𝑑𝑒𝑠</m:t>
                     </m:r>
                     <m:sSup>
                       <m:sSupPr>
                         <m:ctrlPr>
                           <a:rPr lang="en-US" sz="2400" b="0" i="1" smtClean="0">
-                            <a:latin typeface="+mj-lt"/>
+                            <a:latin typeface="Cambria Math" panose="02040503050406030204" pitchFamily="18" charset="0"/>
                           </a:rPr>
                         </m:ctrlPr>
                       </m:sSupPr>
@@ -18098,14 +18092,14 @@
                           <m:dPr>
                             <m:ctrlPr>
                               <a:rPr lang="en-US" sz="2400" b="0" i="1" smtClean="0">
-                                <a:latin typeface="+mj-lt"/>
+                                <a:latin typeface="Cambria Math" panose="02040503050406030204" pitchFamily="18" charset="0"/>
                               </a:rPr>
                             </m:ctrlPr>
                           </m:dPr>
                           <m:e>
                             <m:r>
                               <a:rPr lang="en-US" sz="2400" b="0" i="1" smtClean="0">
-                                <a:latin typeface="+mj-lt"/>
+                                <a:latin typeface="Cambria Math" panose="02040503050406030204" pitchFamily="18" charset="0"/>
                               </a:rPr>
                               <m:t>𝑡</m:t>
                             </m:r>
@@ -18115,7 +18109,7 @@
                       <m:sup>
                         <m:r>
                           <a:rPr lang="en-US" sz="2400" b="0" i="1" smtClean="0">
-                            <a:latin typeface="+mj-lt"/>
+                            <a:latin typeface="Cambria Math" panose="02040503050406030204" pitchFamily="18" charset="0"/>
                           </a:rPr>
                           <m:t>𝑎</m:t>
                         </m:r>
@@ -18214,7 +18208,7 @@
             </p:txBody>
           </p:sp>
         </mc:Choice>
-        <mc:Fallback>
+        <mc:Fallback xmlns="">
           <p:sp>
             <p:nvSpPr>
               <p:cNvPr id="3" name="Content Placeholder 2">
@@ -18317,8 +18311,8 @@
           </a:prstGeom>
         </p:spPr>
       </p:pic>
-      <mc:AlternateContent xmlns:mc="http://schemas.openxmlformats.org/markup-compatibility/2006">
-        <mc:Choice xmlns:a14="http://schemas.microsoft.com/office/drawing/2010/main" Requires="a14">
+      <mc:AlternateContent xmlns:mc="http://schemas.openxmlformats.org/markup-compatibility/2006" xmlns:a14="http://schemas.microsoft.com/office/drawing/2010/main">
+        <mc:Choice Requires="a14">
           <p:sp>
             <p:nvSpPr>
               <p:cNvPr id="7" name="Content Placeholder 2">
@@ -18613,14 +18607,14 @@
                         <m:chr m:val="̅"/>
                         <m:ctrlPr>
                           <a:rPr lang="en-US" sz="1600" i="1" smtClean="0">
-                            <a:latin typeface="+mj-lt"/>
+                            <a:latin typeface="Cambria Math" panose="02040503050406030204" pitchFamily="18" charset="0"/>
                           </a:rPr>
                         </m:ctrlPr>
                       </m:accPr>
                       <m:e>
                         <m:r>
                           <a:rPr lang="en-US" sz="1600" b="0" i="1" smtClean="0">
-                            <a:latin typeface="+mj-lt"/>
+                            <a:latin typeface="Cambria Math" panose="02040503050406030204" pitchFamily="18" charset="0"/>
                           </a:rPr>
                           <m:t>𝑑</m:t>
                         </m:r>
@@ -18698,7 +18692,7 @@
             </p:txBody>
           </p:sp>
         </mc:Choice>
-        <mc:Fallback>
+        <mc:Fallback xmlns="">
           <p:sp>
             <p:nvSpPr>
               <p:cNvPr id="7" name="Content Placeholder 2">
@@ -19301,8 +19295,8 @@
           </a:p>
         </p:txBody>
       </p:sp>
-      <mc:AlternateContent xmlns:mc="http://schemas.openxmlformats.org/markup-compatibility/2006">
-        <mc:Choice xmlns:a14="http://schemas.microsoft.com/office/drawing/2010/main" Requires="a14">
+      <mc:AlternateContent xmlns:mc="http://schemas.openxmlformats.org/markup-compatibility/2006" xmlns:a14="http://schemas.microsoft.com/office/drawing/2010/main">
+        <mc:Choice Requires="a14">
           <p:sp>
             <p:nvSpPr>
               <p:cNvPr id="17" name="TextBox 16">
@@ -19613,7 +19607,7 @@
             </p:txBody>
           </p:sp>
         </mc:Choice>
-        <mc:Fallback>
+        <mc:Fallback xmlns="">
           <p:sp>
             <p:nvSpPr>
               <p:cNvPr id="17" name="TextBox 16">
@@ -19784,13 +19778,8 @@
             </a:pPr>
             <a:r>
               <a:rPr lang="en-US" dirty="0"/>
-              <a:t>Product </a:t>
-            </a:r>
-            <a:r>
-              <a:rPr lang="en-US" dirty="0" err="1"/>
-              <a:t>Evalutions</a:t>
-            </a:r>
-            <a:endParaRPr lang="en-US" dirty="0"/>
+              <a:t>Product Evaluations</a:t>
+            </a:r>
           </a:p>
         </p:txBody>
       </p:sp>
@@ -25020,8 +25009,8 @@
         </p:nvSpPr>
         <p:spPr bwMode="gray">
           <a:xfrm>
-            <a:off x="0" y="2708365"/>
-            <a:ext cx="12192000" cy="2356333"/>
+            <a:off x="43179" y="2701255"/>
+            <a:ext cx="12192000" cy="2766494"/>
           </a:xfrm>
           <a:prstGeom prst="rect">
             <a:avLst/>
@@ -25152,8 +25141,8 @@
         </p:nvSpPr>
         <p:spPr bwMode="gray">
           <a:xfrm>
-            <a:off x="306841" y="920482"/>
-            <a:ext cx="5301479" cy="6684266"/>
+            <a:off x="306841" y="870148"/>
+            <a:ext cx="5564274" cy="6684266"/>
           </a:xfrm>
           <a:prstGeom prst="rect">
             <a:avLst/>
@@ -25362,7 +25351,7 @@
                 </a:solidFill>
                 <a:latin typeface="+mj-lt"/>
               </a:rPr>
-              <a:t> Graph Generative Models</a:t>
+              <a:t> Temporal Graph Networks </a:t>
             </a:r>
           </a:p>
           <a:p>
@@ -25374,8 +25363,13 @@
               <a:buAutoNum type="arabicPeriod"/>
             </a:pPr>
             <a:r>
-              <a:rPr lang="en-US" dirty="0"/>
-              <a:t>Network Effects and Cascading Behavior</a:t>
+              <a:rPr lang="en-US" dirty="0">
+                <a:solidFill>
+                  <a:srgbClr val="222222"/>
+                </a:solidFill>
+                <a:latin typeface="+mj-lt"/>
+              </a:rPr>
+              <a:t>Graph Generative Models</a:t>
             </a:r>
           </a:p>
           <a:p>
@@ -25388,7 +25382,7 @@
             </a:pPr>
             <a:r>
               <a:rPr lang="en-US" dirty="0"/>
-              <a:t>Probabilistic Contagion Models</a:t>
+              <a:t>Network Effects, Cascading and Contagion</a:t>
             </a:r>
           </a:p>
           <a:p>
@@ -25989,8 +25983,8 @@
         </p:nvSpPr>
         <p:spPr bwMode="gray">
           <a:xfrm>
-            <a:off x="5536287" y="5112386"/>
-            <a:ext cx="380099" cy="1650263"/>
+            <a:off x="5804351" y="5588794"/>
+            <a:ext cx="334828" cy="1158803"/>
           </a:xfrm>
           <a:prstGeom prst="rightBrace">
             <a:avLst/>
